--- a/presentation/Longest Path Presentation.pptx
+++ b/presentation/Longest Path Presentation.pptx
@@ -19,6 +19,7 @@
     <p:sldId id="263" r:id="rId14"/>
     <p:sldId id="264" r:id="rId15"/>
     <p:sldId id="265" r:id="rId16"/>
+    <p:sldId id="266" r:id="rId17"/>
   </p:sldIdLst>
   <p:sldSz cy="5143500" cx="9144000"/>
   <p:notesSz cx="6858000" cy="9144000"/>
@@ -800,7 +801,7 @@
   <p:cSld>
     <p:spTree>
       <p:nvGrpSpPr>
-        <p:cNvPr id="173" name="Shape 173"/>
+        <p:cNvPr id="181" name="Shape 181"/>
         <p:cNvGrpSpPr/>
         <p:nvPr/>
       </p:nvGrpSpPr>
@@ -814,7 +815,7 @@
       </p:grpSpPr>
       <p:sp>
         <p:nvSpPr>
-          <p:cNvPr id="174" name="Google Shape;174;g23cfa20d9e9_0_26:notes"/>
+          <p:cNvPr id="182" name="Google Shape;182;g23deffdcab6_0_2:notes"/>
           <p:cNvSpPr/>
           <p:nvPr>
             <p:ph idx="2" type="sldImg"/>
@@ -849,7 +850,106 @@
       </p:sp>
       <p:sp>
         <p:nvSpPr>
-          <p:cNvPr id="175" name="Google Shape;175;g23cfa20d9e9_0_26:notes"/>
+          <p:cNvPr id="183" name="Google Shape;183;g23deffdcab6_0_2:notes"/>
+          <p:cNvSpPr txBox="1"/>
+          <p:nvPr>
+            <p:ph idx="1" type="body"/>
+          </p:nvPr>
+        </p:nvSpPr>
+        <p:spPr>
+          <a:xfrm>
+            <a:off x="685800" y="4343400"/>
+            <a:ext cx="5486400" cy="4114800"/>
+          </a:xfrm>
+          <a:prstGeom prst="rect">
+            <a:avLst/>
+          </a:prstGeom>
+        </p:spPr>
+        <p:txBody>
+          <a:bodyPr anchorCtr="0" anchor="t" bIns="91425" lIns="91425" spcFirstLastPara="1" rIns="91425" wrap="square" tIns="91425">
+            <a:noAutofit/>
+          </a:bodyPr>
+          <a:lstStyle/>
+          <a:p>
+            <a:pPr indent="0" lvl="0" marL="0" rtl="0" algn="l">
+              <a:spcBef>
+                <a:spcPts val="0"/>
+              </a:spcBef>
+              <a:spcAft>
+                <a:spcPts val="0"/>
+              </a:spcAft>
+              <a:buNone/>
+            </a:pPr>
+            <a:r>
+              <a:t/>
+            </a:r>
+            <a:endParaRPr/>
+          </a:p>
+        </p:txBody>
+      </p:sp>
+    </p:spTree>
+  </p:cSld>
+  <p:clrMapOvr>
+    <a:masterClrMapping/>
+  </p:clrMapOvr>
+</p:notes>
+</file>
+
+<file path=ppt/notesSlides/notesSlide11.xml><?xml version="1.0" encoding="utf-8"?>
+<p:notes xmlns:a="http://schemas.openxmlformats.org/drawingml/2006/main" xmlns:r="http://schemas.openxmlformats.org/officeDocument/2006/relationships" xmlns:mc="http://schemas.openxmlformats.org/markup-compatibility/2006" xmlns:mv="urn:schemas-microsoft-com:mac:vml" xmlns:p="http://schemas.openxmlformats.org/presentationml/2006/main" xmlns:c="http://schemas.openxmlformats.org/drawingml/2006/chart" xmlns:dgm="http://schemas.openxmlformats.org/drawingml/2006/diagram" xmlns:o="urn:schemas-microsoft-com:office:office" xmlns:v="urn:schemas-microsoft-com:vml" xmlns:pvml="urn:schemas-microsoft-com:office:powerpoint" xmlns:com="http://schemas.openxmlformats.org/drawingml/2006/compatibility" xmlns:p14="http://schemas.microsoft.com/office/powerpoint/2010/main" xmlns:p15="http://schemas.microsoft.com/office/powerpoint/2012/main" xmlns:ahyp="http://schemas.microsoft.com/office/drawing/2018/hyperlinkcolor" showMasterPhAnim="0" showMasterSp="0">
+  <p:cSld>
+    <p:spTree>
+      <p:nvGrpSpPr>
+        <p:cNvPr id="190" name="Shape 190"/>
+        <p:cNvGrpSpPr/>
+        <p:nvPr/>
+      </p:nvGrpSpPr>
+      <p:grpSpPr>
+        <a:xfrm>
+          <a:off x="0" y="0"/>
+          <a:ext cx="0" cy="0"/>
+          <a:chOff x="0" y="0"/>
+          <a:chExt cx="0" cy="0"/>
+        </a:xfrm>
+      </p:grpSpPr>
+      <p:sp>
+        <p:nvSpPr>
+          <p:cNvPr id="191" name="Google Shape;191;g23cfa20d9e9_0_21:notes"/>
+          <p:cNvSpPr/>
+          <p:nvPr>
+            <p:ph idx="2" type="sldImg"/>
+          </p:nvPr>
+        </p:nvSpPr>
+        <p:spPr>
+          <a:xfrm>
+            <a:off x="381300" y="685800"/>
+            <a:ext cx="6096000" cy="3429000"/>
+          </a:xfrm>
+          <a:custGeom>
+            <a:rect b="b" l="l" r="r" t="t"/>
+            <a:pathLst>
+              <a:path extrusionOk="0" h="120000" w="120000">
+                <a:moveTo>
+                  <a:pt x="0" y="0"/>
+                </a:moveTo>
+                <a:lnTo>
+                  <a:pt x="120000" y="0"/>
+                </a:lnTo>
+                <a:lnTo>
+                  <a:pt x="120000" y="120000"/>
+                </a:lnTo>
+                <a:lnTo>
+                  <a:pt x="0" y="120000"/>
+                </a:lnTo>
+                <a:close/>
+              </a:path>
+            </a:pathLst>
+          </a:custGeom>
+        </p:spPr>
+      </p:sp>
+      <p:sp>
+        <p:nvSpPr>
+          <p:cNvPr id="192" name="Google Shape;192;g23cfa20d9e9_0_21:notes"/>
           <p:cNvSpPr txBox="1"/>
           <p:nvPr>
             <p:ph idx="1" type="body"/>
@@ -1593,7 +1693,7 @@
   <p:cSld>
     <p:spTree>
       <p:nvGrpSpPr>
-        <p:cNvPr id="167" name="Shape 167"/>
+        <p:cNvPr id="169" name="Shape 169"/>
         <p:cNvGrpSpPr/>
         <p:nvPr/>
       </p:nvGrpSpPr>
@@ -1607,7 +1707,7 @@
       </p:grpSpPr>
       <p:sp>
         <p:nvSpPr>
-          <p:cNvPr id="168" name="Google Shape;168;g23cfa20d9e9_0_21:notes"/>
+          <p:cNvPr id="170" name="Google Shape;170;g23cfa20d9e9_0_26:notes"/>
           <p:cNvSpPr/>
           <p:nvPr>
             <p:ph idx="2" type="sldImg"/>
@@ -1642,7 +1742,7 @@
       </p:sp>
       <p:sp>
         <p:nvSpPr>
-          <p:cNvPr id="169" name="Google Shape;169;g23cfa20d9e9_0_21:notes"/>
+          <p:cNvPr id="171" name="Google Shape;171;g23cfa20d9e9_0_26:notes"/>
           <p:cNvSpPr txBox="1"/>
           <p:nvPr>
             <p:ph idx="1" type="body"/>
@@ -12847,7 +12947,7 @@
         <p:spPr>
           <a:xfrm>
             <a:off x="47025" y="1823225"/>
-            <a:ext cx="6570000" cy="1693200"/>
+            <a:ext cx="6570000" cy="400200"/>
           </a:xfrm>
           <a:prstGeom prst="rect">
             <a:avLst/>
@@ -12873,110 +12973,7 @@
               <a:buNone/>
             </a:pPr>
             <a:r>
-              <a:rPr lang="en"/>
-              <a:t>Checklist:</a:t>
-            </a:r>
-            <a:endParaRPr/>
-          </a:p>
-          <a:p>
-            <a:pPr indent="-317500" lvl="0" marL="457200" rtl="0" algn="l">
-              <a:spcBef>
-                <a:spcPts val="0"/>
-              </a:spcBef>
-              <a:spcAft>
-                <a:spcPts val="0"/>
-              </a:spcAft>
-              <a:buSzPts val="1400"/>
-              <a:buChar char="-"/>
-            </a:pPr>
-            <a:r>
-              <a:rPr lang="en"/>
-              <a:t>What problem is &amp; applications, reduction, verification</a:t>
-            </a:r>
-            <a:endParaRPr/>
-          </a:p>
-          <a:p>
-            <a:pPr indent="-317500" lvl="0" marL="457200" rtl="0" algn="l">
-              <a:spcBef>
-                <a:spcPts val="0"/>
-              </a:spcBef>
-              <a:spcAft>
-                <a:spcPts val="0"/>
-              </a:spcAft>
-              <a:buSzPts val="1400"/>
-              <a:buChar char="-"/>
-            </a:pPr>
-            <a:r>
-              <a:rPr lang="en"/>
-              <a:t>How exact works (read code)</a:t>
-            </a:r>
-            <a:endParaRPr/>
-          </a:p>
-          <a:p>
-            <a:pPr indent="-317500" lvl="0" marL="457200" rtl="0" algn="l">
-              <a:spcBef>
-                <a:spcPts val="0"/>
-              </a:spcBef>
-              <a:spcAft>
-                <a:spcPts val="0"/>
-              </a:spcAft>
-              <a:buSzPts val="1400"/>
-              <a:buChar char="-"/>
-            </a:pPr>
-            <a:r>
-              <a:rPr lang="en"/>
-              <a:t>Why it doesn’t scale &amp; big O</a:t>
-            </a:r>
-            <a:endParaRPr/>
-          </a:p>
-          <a:p>
-            <a:pPr indent="-317500" lvl="0" marL="457200" rtl="0" algn="l">
-              <a:spcBef>
-                <a:spcPts val="0"/>
-              </a:spcBef>
-              <a:spcAft>
-                <a:spcPts val="0"/>
-              </a:spcAft>
-              <a:buSzPts val="1400"/>
-              <a:buChar char="-"/>
-            </a:pPr>
-            <a:r>
-              <a:rPr lang="en"/>
-              <a:t>Greedy description &amp; problems</a:t>
-            </a:r>
-            <a:endParaRPr/>
-          </a:p>
-          <a:p>
-            <a:pPr indent="-317500" lvl="0" marL="457200" rtl="0" algn="l">
-              <a:spcBef>
-                <a:spcPts val="0"/>
-              </a:spcBef>
-              <a:spcAft>
-                <a:spcPts val="0"/>
-              </a:spcAft>
-              <a:buSzPts val="1400"/>
-              <a:buChar char="-"/>
-            </a:pPr>
-            <a:r>
-              <a:rPr lang="en"/>
-              <a:t>Annealing description</a:t>
-            </a:r>
-            <a:endParaRPr/>
-          </a:p>
-          <a:p>
-            <a:pPr indent="-317500" lvl="0" marL="457200" rtl="0" algn="l">
-              <a:spcBef>
-                <a:spcPts val="0"/>
-              </a:spcBef>
-              <a:spcAft>
-                <a:spcPts val="0"/>
-              </a:spcAft>
-              <a:buSzPts val="1400"/>
-              <a:buChar char="-"/>
-            </a:pPr>
-            <a:r>
-              <a:rPr lang="en"/>
-              <a:t>Annealing code</a:t>
+              <a:t/>
             </a:r>
             <a:endParaRPr/>
           </a:p>
@@ -13002,7 +12999,7 @@
     </p:bg>
     <p:spTree>
       <p:nvGrpSpPr>
-        <p:cNvPr id="176" name="Shape 176"/>
+        <p:cNvPr id="184" name="Shape 184"/>
         <p:cNvGrpSpPr/>
         <p:nvPr/>
       </p:nvGrpSpPr>
@@ -13016,7 +13013,7 @@
       </p:grpSpPr>
       <p:sp>
         <p:nvSpPr>
-          <p:cNvPr id="177" name="Google Shape;177;p35"/>
+          <p:cNvPr id="185" name="Google Shape;185;p35"/>
           <p:cNvSpPr txBox="1"/>
           <p:nvPr>
             <p:ph type="title"/>
@@ -13024,7 +13021,7 @@
         </p:nvSpPr>
         <p:spPr>
           <a:xfrm>
-            <a:off x="314964" y="98323"/>
+            <a:off x="456989" y="204798"/>
             <a:ext cx="8228700" cy="858600"/>
           </a:xfrm>
           <a:prstGeom prst="rect">
@@ -13047,16 +13044,16 @@
               <a:buNone/>
             </a:pPr>
             <a:r>
-              <a:rPr lang="en" u="sng"/>
-              <a:t>Approximation vs Exact Solution</a:t>
+              <a:rPr lang="en"/>
+              <a:t>Wall Clock Analysis</a:t>
             </a:r>
-            <a:endParaRPr u="sng"/>
+            <a:endParaRPr/>
           </a:p>
         </p:txBody>
       </p:sp>
       <p:sp>
         <p:nvSpPr>
-          <p:cNvPr id="178" name="Google Shape;178;p35"/>
+          <p:cNvPr id="186" name="Google Shape;186;p35"/>
           <p:cNvSpPr txBox="1"/>
           <p:nvPr>
             <p:ph idx="1" type="body"/>
@@ -13064,8 +13061,8 @@
         </p:nvSpPr>
         <p:spPr>
           <a:xfrm>
-            <a:off x="96175" y="956925"/>
-            <a:ext cx="4436100" cy="3241500"/>
+            <a:off x="457002" y="1203300"/>
+            <a:ext cx="6674100" cy="2983200"/>
           </a:xfrm>
           <a:prstGeom prst="rect">
             <a:avLst/>
@@ -13077,197 +13074,7 @@
           </a:bodyPr>
           <a:lstStyle/>
           <a:p>
-            <a:pPr indent="0" lvl="0" marL="0" rtl="0" algn="l">
-              <a:spcBef>
-                <a:spcPts val="0"/>
-              </a:spcBef>
-              <a:spcAft>
-                <a:spcPts val="0"/>
-              </a:spcAft>
-              <a:buNone/>
-            </a:pPr>
-            <a:r>
-              <a:rPr b="1" lang="en" sz="1150"/>
-              <a:t>Annealing Simulation Approximation</a:t>
-            </a:r>
-            <a:endParaRPr b="1" sz="1150"/>
-          </a:p>
-          <a:p>
-            <a:pPr indent="0" lvl="0" marL="0" rtl="0" algn="l">
-              <a:spcBef>
-                <a:spcPts val="0"/>
-              </a:spcBef>
-              <a:spcAft>
-                <a:spcPts val="0"/>
-              </a:spcAft>
-              <a:buNone/>
-            </a:pPr>
-            <a:r>
-              <a:t/>
-            </a:r>
-            <a:endParaRPr b="1" sz="1150"/>
-          </a:p>
-          <a:p>
-            <a:pPr indent="0" lvl="0" marL="0" rtl="0" algn="l">
-              <a:spcBef>
-                <a:spcPts val="0"/>
-              </a:spcBef>
-              <a:spcAft>
-                <a:spcPts val="0"/>
-              </a:spcAft>
-              <a:buNone/>
-            </a:pPr>
-            <a:r>
-              <a:t/>
-            </a:r>
-            <a:endParaRPr b="1" sz="1150"/>
-          </a:p>
-          <a:p>
-            <a:pPr indent="0" lvl="0" marL="0" rtl="0" algn="l">
-              <a:spcBef>
-                <a:spcPts val="0"/>
-              </a:spcBef>
-              <a:spcAft>
-                <a:spcPts val="0"/>
-              </a:spcAft>
-              <a:buClr>
-                <a:schemeClr val="dk1"/>
-              </a:buClr>
-              <a:buSzPts val="1100"/>
-              <a:buFont typeface="Arial"/>
-              <a:buNone/>
-            </a:pPr>
-            <a:r>
-              <a:t/>
-            </a:r>
-            <a:endParaRPr b="1" sz="1150"/>
-          </a:p>
-        </p:txBody>
-      </p:sp>
-      <p:sp>
-        <p:nvSpPr>
-          <p:cNvPr id="179" name="Google Shape;179;p35"/>
-          <p:cNvSpPr txBox="1"/>
-          <p:nvPr>
-            <p:ph idx="1" type="body"/>
-          </p:nvPr>
-        </p:nvSpPr>
-        <p:spPr>
-          <a:xfrm>
-            <a:off x="4449200" y="956925"/>
-            <a:ext cx="4649100" cy="3431400"/>
-          </a:xfrm>
-          <a:prstGeom prst="rect">
-            <a:avLst/>
-          </a:prstGeom>
-        </p:spPr>
-        <p:txBody>
-          <a:bodyPr anchorCtr="0" anchor="t" bIns="0" lIns="0" spcFirstLastPara="1" rIns="0" wrap="square" tIns="0">
-            <a:normAutofit/>
-          </a:bodyPr>
-          <a:lstStyle/>
-          <a:p>
-            <a:pPr indent="0" lvl="0" marL="1371600" rtl="0" algn="l">
-              <a:spcBef>
-                <a:spcPts val="0"/>
-              </a:spcBef>
-              <a:spcAft>
-                <a:spcPts val="0"/>
-              </a:spcAft>
-              <a:buNone/>
-            </a:pPr>
-            <a:r>
-              <a:rPr b="1" lang="en" sz="1150"/>
-              <a:t>Exact Solution</a:t>
-            </a:r>
-            <a:endParaRPr b="1" sz="1150"/>
-          </a:p>
-          <a:p>
-            <a:pPr indent="0" lvl="0" marL="0" rtl="0" algn="l">
-              <a:spcBef>
-                <a:spcPts val="0"/>
-              </a:spcBef>
-              <a:spcAft>
-                <a:spcPts val="0"/>
-              </a:spcAft>
-              <a:buNone/>
-            </a:pPr>
-            <a:r>
-              <a:t/>
-            </a:r>
-            <a:endParaRPr/>
-          </a:p>
-          <a:p>
-            <a:pPr indent="0" lvl="0" marL="0" rtl="0" algn="l">
-              <a:spcBef>
-                <a:spcPts val="0"/>
-              </a:spcBef>
-              <a:spcAft>
-                <a:spcPts val="0"/>
-              </a:spcAft>
-              <a:buNone/>
-            </a:pPr>
-            <a:r>
-              <a:t/>
-            </a:r>
-            <a:endParaRPr/>
-          </a:p>
-        </p:txBody>
-      </p:sp>
-      <p:sp>
-        <p:nvSpPr>
-          <p:cNvPr id="180" name="Google Shape;180;p35"/>
-          <p:cNvSpPr txBox="1"/>
-          <p:nvPr>
-            <p:ph idx="1" type="body"/>
-          </p:nvPr>
-        </p:nvSpPr>
-        <p:spPr>
-          <a:xfrm>
-            <a:off x="2194325" y="1206500"/>
-            <a:ext cx="4649100" cy="3431400"/>
-          </a:xfrm>
-          <a:prstGeom prst="rect">
-            <a:avLst/>
-          </a:prstGeom>
-        </p:spPr>
-        <p:txBody>
-          <a:bodyPr anchorCtr="0" anchor="t" bIns="0" lIns="0" spcFirstLastPara="1" rIns="0" wrap="square" tIns="0">
-            <a:normAutofit/>
-          </a:bodyPr>
-          <a:lstStyle/>
-          <a:p>
-            <a:pPr indent="0" lvl="0" marL="0" rtl="0" algn="l">
-              <a:spcBef>
-                <a:spcPts val="0"/>
-              </a:spcBef>
-              <a:spcAft>
-                <a:spcPts val="0"/>
-              </a:spcAft>
-              <a:buNone/>
-            </a:pPr>
-            <a:r>
-              <a:t/>
-            </a:r>
-            <a:endParaRPr b="1" sz="1150"/>
-          </a:p>
-          <a:p>
-            <a:pPr indent="0" lvl="0" marL="0" rtl="0" algn="l">
-              <a:spcBef>
-                <a:spcPts val="0"/>
-              </a:spcBef>
-              <a:spcAft>
-                <a:spcPts val="0"/>
-              </a:spcAft>
-              <a:buNone/>
-            </a:pPr>
-            <a:r>
-              <a:t/>
-            </a:r>
-            <a:endParaRPr/>
-          </a:p>
-          <a:p>
-            <a:pPr indent="0" lvl="0" marL="0" rtl="0" algn="l">
+            <a:pPr indent="457200" lvl="0" marL="0" rtl="0" algn="l">
               <a:spcBef>
                 <a:spcPts val="0"/>
               </a:spcBef>
@@ -13278,143 +13085,7 @@
             </a:pPr>
             <a:r>
               <a:rPr lang="en"/>
-              <a:t>1st input - fully connected graph of 10 vertices &amp; randomized weights</a:t>
-            </a:r>
-            <a:endParaRPr/>
-          </a:p>
-          <a:p>
-            <a:pPr indent="0" lvl="0" marL="0" rtl="0" algn="l">
-              <a:spcBef>
-                <a:spcPts val="0"/>
-              </a:spcBef>
-              <a:spcAft>
-                <a:spcPts val="0"/>
-              </a:spcAft>
-              <a:buNone/>
-            </a:pPr>
-            <a:r>
-              <a:t/>
-            </a:r>
-            <a:endParaRPr/>
-          </a:p>
-          <a:p>
-            <a:pPr indent="0" lvl="0" marL="0" rtl="0" algn="l">
-              <a:spcBef>
-                <a:spcPts val="0"/>
-              </a:spcBef>
-              <a:spcAft>
-                <a:spcPts val="0"/>
-              </a:spcAft>
-              <a:buNone/>
-            </a:pPr>
-            <a:r>
-              <a:t/>
-            </a:r>
-            <a:endParaRPr/>
-          </a:p>
-          <a:p>
-            <a:pPr indent="0" lvl="0" marL="0" rtl="0" algn="l">
-              <a:spcBef>
-                <a:spcPts val="0"/>
-              </a:spcBef>
-              <a:spcAft>
-                <a:spcPts val="0"/>
-              </a:spcAft>
-              <a:buNone/>
-            </a:pPr>
-            <a:r>
-              <a:t/>
-            </a:r>
-            <a:endParaRPr/>
-          </a:p>
-          <a:p>
-            <a:pPr indent="0" lvl="0" marL="0" rtl="0" algn="l">
-              <a:spcBef>
-                <a:spcPts val="0"/>
-              </a:spcBef>
-              <a:spcAft>
-                <a:spcPts val="0"/>
-              </a:spcAft>
-              <a:buNone/>
-            </a:pPr>
-            <a:r>
-              <a:t/>
-            </a:r>
-            <a:endParaRPr/>
-          </a:p>
-          <a:p>
-            <a:pPr indent="0" lvl="0" marL="0" rtl="0" algn="l">
-              <a:spcBef>
-                <a:spcPts val="0"/>
-              </a:spcBef>
-              <a:spcAft>
-                <a:spcPts val="0"/>
-              </a:spcAft>
-              <a:buNone/>
-            </a:pPr>
-            <a:r>
-              <a:t/>
-            </a:r>
-            <a:endParaRPr/>
-          </a:p>
-          <a:p>
-            <a:pPr indent="0" lvl="0" marL="0" rtl="0" algn="l">
-              <a:spcBef>
-                <a:spcPts val="0"/>
-              </a:spcBef>
-              <a:spcAft>
-                <a:spcPts val="0"/>
-              </a:spcAft>
-              <a:buNone/>
-            </a:pPr>
-            <a:r>
-              <a:t/>
-            </a:r>
-            <a:endParaRPr/>
-          </a:p>
-          <a:p>
-            <a:pPr indent="0" lvl="0" marL="0" rtl="0" algn="l">
-              <a:spcBef>
-                <a:spcPts val="0"/>
-              </a:spcBef>
-              <a:spcAft>
-                <a:spcPts val="0"/>
-              </a:spcAft>
-              <a:buNone/>
-            </a:pPr>
-            <a:r>
-              <a:t/>
-            </a:r>
-            <a:endParaRPr/>
-          </a:p>
-          <a:p>
-            <a:pPr indent="0" lvl="0" marL="0" rtl="0" algn="l">
-              <a:spcBef>
-                <a:spcPts val="0"/>
-              </a:spcBef>
-              <a:spcAft>
-                <a:spcPts val="0"/>
-              </a:spcAft>
-              <a:buNone/>
-            </a:pPr>
-            <a:r>
-              <a:t/>
-            </a:r>
-            <a:endParaRPr/>
-          </a:p>
-          <a:p>
-            <a:pPr indent="0" lvl="0" marL="0" rtl="0" algn="l">
-              <a:spcBef>
-                <a:spcPts val="0"/>
-              </a:spcBef>
-              <a:spcAft>
-                <a:spcPts val="0"/>
-              </a:spcAft>
-              <a:buNone/>
-            </a:pPr>
-            <a:r>
-              <a:rPr lang="en"/>
-              <a:t>2nd input - sparse graph with nearly 9528 vertices and 13968 edges</a:t>
+              <a:t>Exact solution									Approximation</a:t>
             </a:r>
             <a:endParaRPr/>
           </a:p>
@@ -13422,7 +13093,7 @@
       </p:sp>
       <p:pic>
         <p:nvPicPr>
-          <p:cNvPr id="181" name="Google Shape;181;p35"/>
+          <p:cNvPr id="187" name="Google Shape;187;p35" title="Chart"/>
           <p:cNvPicPr preferRelativeResize="0"/>
           <p:nvPr/>
         </p:nvPicPr>
@@ -13436,8 +13107,8 @@
         </p:blipFill>
         <p:spPr>
           <a:xfrm>
-            <a:off x="155550" y="1922073"/>
-            <a:ext cx="3531600" cy="1028700"/>
+            <a:off x="5044750" y="1417600"/>
+            <a:ext cx="3733101" cy="2496500"/>
           </a:xfrm>
           <a:prstGeom prst="rect">
             <a:avLst/>
@@ -13450,7 +13121,7 @@
       </p:pic>
       <p:pic>
         <p:nvPicPr>
-          <p:cNvPr id="182" name="Google Shape;182;p35"/>
+          <p:cNvPr id="188" name="Google Shape;188;p35"/>
           <p:cNvPicPr preferRelativeResize="0"/>
           <p:nvPr/>
         </p:nvPicPr>
@@ -13464,8 +13135,8 @@
         </p:blipFill>
         <p:spPr>
           <a:xfrm>
-            <a:off x="51300" y="3566725"/>
-            <a:ext cx="4278795" cy="1028700"/>
+            <a:off x="410150" y="1475700"/>
+            <a:ext cx="4049950" cy="2438400"/>
           </a:xfrm>
           <a:prstGeom prst="rect">
             <a:avLst/>
@@ -13476,24 +13147,16 @@
           </a:ln>
         </p:spPr>
       </p:pic>
-      <p:pic>
-        <p:nvPicPr>
-          <p:cNvPr id="183" name="Google Shape;183;p35"/>
-          <p:cNvPicPr preferRelativeResize="0"/>
+      <p:sp>
+        <p:nvSpPr>
+          <p:cNvPr id="189" name="Google Shape;189;p35"/>
+          <p:cNvSpPr txBox="1"/>
           <p:nvPr/>
-        </p:nvPicPr>
-        <p:blipFill>
-          <a:blip r:embed="rId5">
-            <a:alphaModFix/>
-          </a:blip>
-          <a:stretch>
-            <a:fillRect/>
-          </a:stretch>
-        </p:blipFill>
+        </p:nvSpPr>
         <p:spPr>
           <a:xfrm>
-            <a:off x="4747145" y="1877298"/>
-            <a:ext cx="3333750" cy="1028700"/>
+            <a:off x="5336975" y="1310800"/>
+            <a:ext cx="3597600" cy="369300"/>
           </a:xfrm>
           <a:prstGeom prst="rect">
             <a:avLst/>
@@ -13503,35 +13166,463 @@
             <a:noFill/>
           </a:ln>
         </p:spPr>
-      </p:pic>
-      <p:pic>
-        <p:nvPicPr>
-          <p:cNvPr id="184" name="Google Shape;184;p35"/>
-          <p:cNvPicPr preferRelativeResize="0"/>
-          <p:nvPr/>
-        </p:nvPicPr>
-        <p:blipFill>
-          <a:blip r:embed="rId6">
-            <a:alphaModFix/>
-          </a:blip>
-          <a:stretch>
-            <a:fillRect/>
-          </a:stretch>
-        </p:blipFill>
+        <p:txBody>
+          <a:bodyPr anchorCtr="0" anchor="t" bIns="91425" lIns="91425" spcFirstLastPara="1" rIns="91425" wrap="square" tIns="91425">
+            <a:spAutoFit/>
+          </a:bodyPr>
+          <a:lstStyle/>
+          <a:p>
+            <a:pPr indent="0" lvl="0" marL="0" rtl="0" algn="l">
+              <a:spcBef>
+                <a:spcPts val="0"/>
+              </a:spcBef>
+              <a:spcAft>
+                <a:spcPts val="0"/>
+              </a:spcAft>
+              <a:buNone/>
+            </a:pPr>
+            <a:r>
+              <a:rPr lang="en" sz="1200"/>
+              <a:t>Input size(vertices) vs wall time (seconds</a:t>
+            </a:r>
+            <a:endParaRPr sz="1200"/>
+          </a:p>
+        </p:txBody>
+      </p:sp>
+    </p:spTree>
+  </p:cSld>
+  <p:clrMapOvr>
+    <a:masterClrMapping/>
+  </p:clrMapOvr>
+</p:sld>
+</file>
+
+<file path=ppt/slides/slide11.xml><?xml version="1.0" encoding="utf-8"?>
+<p:sld xmlns:a="http://schemas.openxmlformats.org/drawingml/2006/main" xmlns:r="http://schemas.openxmlformats.org/officeDocument/2006/relationships" xmlns:mc="http://schemas.openxmlformats.org/markup-compatibility/2006" xmlns:mv="urn:schemas-microsoft-com:mac:vml" xmlns:p="http://schemas.openxmlformats.org/presentationml/2006/main" xmlns:c="http://schemas.openxmlformats.org/drawingml/2006/chart" xmlns:dgm="http://schemas.openxmlformats.org/drawingml/2006/diagram" xmlns:o="urn:schemas-microsoft-com:office:office" xmlns:v="urn:schemas-microsoft-com:vml" xmlns:pvml="urn:schemas-microsoft-com:office:powerpoint" xmlns:com="http://schemas.openxmlformats.org/drawingml/2006/compatibility" xmlns:p14="http://schemas.microsoft.com/office/powerpoint/2010/main" xmlns:p15="http://schemas.microsoft.com/office/powerpoint/2012/main" xmlns:ahyp="http://schemas.microsoft.com/office/drawing/2018/hyperlinkcolor">
+  <p:cSld>
+    <p:bg>
+      <p:bgPr>
+        <a:solidFill>
+          <a:srgbClr val="CDFFCD"/>
+        </a:solidFill>
+      </p:bgPr>
+    </p:bg>
+    <p:spTree>
+      <p:nvGrpSpPr>
+        <p:cNvPr id="193" name="Shape 193"/>
+        <p:cNvGrpSpPr/>
+        <p:nvPr/>
+      </p:nvGrpSpPr>
+      <p:grpSpPr>
+        <a:xfrm>
+          <a:off x="0" y="0"/>
+          <a:ext cx="0" cy="0"/>
+          <a:chOff x="0" y="0"/>
+          <a:chExt cx="0" cy="0"/>
+        </a:xfrm>
+      </p:grpSpPr>
+      <p:sp>
+        <p:nvSpPr>
+          <p:cNvPr id="194" name="Google Shape;194;p36"/>
+          <p:cNvSpPr txBox="1"/>
+          <p:nvPr>
+            <p:ph type="title"/>
+          </p:nvPr>
+        </p:nvSpPr>
         <p:spPr>
           <a:xfrm>
-            <a:off x="4747139" y="3518048"/>
-            <a:ext cx="4053211" cy="858600"/>
+            <a:off x="456989" y="204798"/>
+            <a:ext cx="8228700" cy="858600"/>
           </a:xfrm>
           <a:prstGeom prst="rect">
             <a:avLst/>
           </a:prstGeom>
-          <a:noFill/>
-          <a:ln>
-            <a:noFill/>
-          </a:ln>
         </p:spPr>
-      </p:pic>
+        <p:txBody>
+          <a:bodyPr anchorCtr="0" anchor="ctr" bIns="0" lIns="0" spcFirstLastPara="1" rIns="0" wrap="square" tIns="0">
+            <a:noAutofit/>
+          </a:bodyPr>
+          <a:lstStyle/>
+          <a:p>
+            <a:pPr indent="0" lvl="0" marL="0" rtl="0" algn="l">
+              <a:spcBef>
+                <a:spcPts val="0"/>
+              </a:spcBef>
+              <a:spcAft>
+                <a:spcPts val="0"/>
+              </a:spcAft>
+              <a:buNone/>
+            </a:pPr>
+            <a:r>
+              <a:rPr lang="en" sz="2000" u="sng"/>
+              <a:t>Simulated Annealing Algorithm Analysis</a:t>
+            </a:r>
+            <a:endParaRPr sz="2000" u="sng"/>
+          </a:p>
+        </p:txBody>
+      </p:sp>
+      <p:sp>
+        <p:nvSpPr>
+          <p:cNvPr id="195" name="Google Shape;195;p36"/>
+          <p:cNvSpPr txBox="1"/>
+          <p:nvPr>
+            <p:ph idx="1" type="body"/>
+          </p:nvPr>
+        </p:nvSpPr>
+        <p:spPr>
+          <a:xfrm>
+            <a:off x="457000" y="1203300"/>
+            <a:ext cx="8461800" cy="2983200"/>
+          </a:xfrm>
+          <a:prstGeom prst="rect">
+            <a:avLst/>
+          </a:prstGeom>
+        </p:spPr>
+        <p:txBody>
+          <a:bodyPr anchorCtr="0" anchor="t" bIns="0" lIns="0" spcFirstLastPara="1" rIns="0" wrap="square" tIns="0">
+            <a:normAutofit lnSpcReduction="10000"/>
+          </a:bodyPr>
+          <a:lstStyle/>
+          <a:p>
+            <a:pPr indent="0" lvl="0" marL="0" rtl="0" algn="l">
+              <a:spcBef>
+                <a:spcPts val="0"/>
+              </a:spcBef>
+              <a:spcAft>
+                <a:spcPts val="0"/>
+              </a:spcAft>
+              <a:buNone/>
+            </a:pPr>
+            <a:r>
+              <a:t/>
+            </a:r>
+            <a:endParaRPr/>
+          </a:p>
+          <a:p>
+            <a:pPr indent="0" lvl="0" marL="0" rtl="0" algn="l">
+              <a:spcBef>
+                <a:spcPts val="0"/>
+              </a:spcBef>
+              <a:spcAft>
+                <a:spcPts val="0"/>
+              </a:spcAft>
+              <a:buNone/>
+            </a:pPr>
+            <a:r>
+              <a:t/>
+            </a:r>
+            <a:endParaRPr/>
+          </a:p>
+          <a:p>
+            <a:pPr indent="0" lvl="0" marL="0" rtl="0" algn="l">
+              <a:spcBef>
+                <a:spcPts val="0"/>
+              </a:spcBef>
+              <a:spcAft>
+                <a:spcPts val="0"/>
+              </a:spcAft>
+              <a:buNone/>
+            </a:pPr>
+            <a:r>
+              <a:t/>
+            </a:r>
+            <a:endParaRPr sz="1250"/>
+          </a:p>
+          <a:p>
+            <a:pPr indent="0" lvl="0" marL="0" rtl="0" algn="l">
+              <a:spcBef>
+                <a:spcPts val="0"/>
+              </a:spcBef>
+              <a:spcAft>
+                <a:spcPts val="0"/>
+              </a:spcAft>
+              <a:buNone/>
+            </a:pPr>
+            <a:r>
+              <a:rPr b="1" lang="en" sz="1750"/>
+              <a:t>O</a:t>
+            </a:r>
+            <a:r>
+              <a:rPr lang="en" sz="1450"/>
+              <a:t>(darts X </a:t>
+            </a:r>
+            <a:r>
+              <a:rPr b="1" lang="en" sz="1750">
+                <a:solidFill>
+                  <a:schemeClr val="dk1"/>
+                </a:solidFill>
+              </a:rPr>
+              <a:t>O</a:t>
+            </a:r>
+            <a:r>
+              <a:rPr lang="en" sz="1450"/>
+              <a:t>(</a:t>
+            </a:r>
+            <a:r>
+              <a:rPr lang="en" sz="1450">
+                <a:solidFill>
+                  <a:schemeClr val="dk1"/>
+                </a:solidFill>
+                <a:highlight>
+                  <a:srgbClr val="CDFFCD"/>
+                </a:highlight>
+              </a:rPr>
+              <a:t>GenerateRandomPath()) X log</a:t>
+            </a:r>
+            <a:r>
+              <a:rPr lang="en" sz="1000">
+                <a:solidFill>
+                  <a:schemeClr val="dk1"/>
+                </a:solidFill>
+                <a:highlight>
+                  <a:srgbClr val="CDFFCD"/>
+                </a:highlight>
+              </a:rPr>
+              <a:t>coolrate</a:t>
+            </a:r>
+            <a:r>
+              <a:rPr lang="en" sz="1450">
+                <a:solidFill>
+                  <a:schemeClr val="dk1"/>
+                </a:solidFill>
+                <a:highlight>
+                  <a:srgbClr val="CDFFCD"/>
+                </a:highlight>
+              </a:rPr>
+              <a:t>(endtemp/starttemp)</a:t>
+            </a:r>
+            <a:endParaRPr sz="1450">
+              <a:solidFill>
+                <a:schemeClr val="dk1"/>
+              </a:solidFill>
+              <a:highlight>
+                <a:srgbClr val="CDFFCD"/>
+              </a:highlight>
+            </a:endParaRPr>
+          </a:p>
+          <a:p>
+            <a:pPr indent="0" lvl="0" marL="0" rtl="0" algn="l">
+              <a:spcBef>
+                <a:spcPts val="0"/>
+              </a:spcBef>
+              <a:spcAft>
+                <a:spcPts val="0"/>
+              </a:spcAft>
+              <a:buNone/>
+            </a:pPr>
+            <a:r>
+              <a:rPr lang="en" sz="1450">
+                <a:solidFill>
+                  <a:schemeClr val="dk1"/>
+                </a:solidFill>
+                <a:highlight>
+                  <a:srgbClr val="CDFFCD"/>
+                </a:highlight>
+              </a:rPr>
+              <a:t>Big-O simplified = V * constants</a:t>
+            </a:r>
+            <a:endParaRPr sz="1450">
+              <a:solidFill>
+                <a:schemeClr val="dk1"/>
+              </a:solidFill>
+              <a:highlight>
+                <a:srgbClr val="CDFFCD"/>
+              </a:highlight>
+            </a:endParaRPr>
+          </a:p>
+          <a:p>
+            <a:pPr indent="0" lvl="0" marL="0" rtl="0" algn="l">
+              <a:spcBef>
+                <a:spcPts val="0"/>
+              </a:spcBef>
+              <a:spcAft>
+                <a:spcPts val="0"/>
+              </a:spcAft>
+              <a:buNone/>
+            </a:pPr>
+            <a:r>
+              <a:t/>
+            </a:r>
+            <a:endParaRPr sz="1450"/>
+          </a:p>
+          <a:p>
+            <a:pPr indent="0" lvl="0" marL="0" rtl="0" algn="l">
+              <a:spcBef>
+                <a:spcPts val="0"/>
+              </a:spcBef>
+              <a:spcAft>
+                <a:spcPts val="0"/>
+              </a:spcAft>
+              <a:buNone/>
+            </a:pPr>
+            <a:r>
+              <a:rPr b="1" lang="en" sz="1450"/>
+              <a:t>Darts </a:t>
+            </a:r>
+            <a:r>
+              <a:rPr lang="en" sz="1450"/>
+              <a:t>= iterations of paths to be passed to the simulated annealing algorithm</a:t>
+            </a:r>
+            <a:endParaRPr sz="1450"/>
+          </a:p>
+          <a:p>
+            <a:pPr indent="0" lvl="0" marL="0" rtl="0" algn="l">
+              <a:spcBef>
+                <a:spcPts val="0"/>
+              </a:spcBef>
+              <a:spcAft>
+                <a:spcPts val="0"/>
+              </a:spcAft>
+              <a:buNone/>
+            </a:pPr>
+            <a:r>
+              <a:t/>
+            </a:r>
+            <a:endParaRPr sz="1450"/>
+          </a:p>
+          <a:p>
+            <a:pPr indent="0" lvl="0" marL="0" rtl="0" algn="l">
+              <a:spcBef>
+                <a:spcPts val="0"/>
+              </a:spcBef>
+              <a:spcAft>
+                <a:spcPts val="0"/>
+              </a:spcAft>
+              <a:buNone/>
+            </a:pPr>
+            <a:r>
+              <a:rPr b="1" lang="en" sz="1450">
+                <a:solidFill>
+                  <a:schemeClr val="dk1"/>
+                </a:solidFill>
+              </a:rPr>
+              <a:t>GenerateRandomPath </a:t>
+            </a:r>
+            <a:r>
+              <a:rPr lang="en" sz="1450">
+                <a:solidFill>
+                  <a:schemeClr val="dk1"/>
+                </a:solidFill>
+              </a:rPr>
+              <a:t>= function for generating random path (V time at worst case)</a:t>
+            </a:r>
+            <a:endParaRPr sz="1450">
+              <a:solidFill>
+                <a:schemeClr val="dk1"/>
+              </a:solidFill>
+            </a:endParaRPr>
+          </a:p>
+          <a:p>
+            <a:pPr indent="0" lvl="0" marL="0" rtl="0" algn="l">
+              <a:spcBef>
+                <a:spcPts val="0"/>
+              </a:spcBef>
+              <a:spcAft>
+                <a:spcPts val="0"/>
+              </a:spcAft>
+              <a:buNone/>
+            </a:pPr>
+            <a:r>
+              <a:t/>
+            </a:r>
+            <a:endParaRPr sz="1450">
+              <a:solidFill>
+                <a:schemeClr val="dk1"/>
+              </a:solidFill>
+            </a:endParaRPr>
+          </a:p>
+          <a:p>
+            <a:pPr indent="0" lvl="0" marL="0" rtl="0" algn="l">
+              <a:spcBef>
+                <a:spcPts val="0"/>
+              </a:spcBef>
+              <a:spcAft>
+                <a:spcPts val="0"/>
+              </a:spcAft>
+              <a:buClr>
+                <a:schemeClr val="dk1"/>
+              </a:buClr>
+              <a:buSzPts val="1100"/>
+              <a:buFont typeface="Arial"/>
+              <a:buNone/>
+            </a:pPr>
+            <a:r>
+              <a:rPr b="1" lang="en" sz="1450">
+                <a:solidFill>
+                  <a:schemeClr val="dk1"/>
+                </a:solidFill>
+                <a:highlight>
+                  <a:srgbClr val="CDFFCD"/>
+                </a:highlight>
+              </a:rPr>
+              <a:t>log</a:t>
+            </a:r>
+            <a:r>
+              <a:rPr b="1" lang="en" sz="1000">
+                <a:solidFill>
+                  <a:schemeClr val="dk1"/>
+                </a:solidFill>
+                <a:highlight>
+                  <a:srgbClr val="CDFFCD"/>
+                </a:highlight>
+              </a:rPr>
+              <a:t>coolrate</a:t>
+            </a:r>
+            <a:r>
+              <a:rPr b="1" lang="en" sz="1450">
+                <a:solidFill>
+                  <a:schemeClr val="dk1"/>
+                </a:solidFill>
+                <a:highlight>
+                  <a:srgbClr val="CDFFCD"/>
+                </a:highlight>
+              </a:rPr>
+              <a:t>(endtemp/starttemp)</a:t>
+            </a:r>
+            <a:r>
+              <a:rPr lang="en" sz="1450">
+                <a:solidFill>
+                  <a:schemeClr val="dk1"/>
+                </a:solidFill>
+                <a:highlight>
+                  <a:srgbClr val="CDFFCD"/>
+                </a:highlight>
+              </a:rPr>
+              <a:t>= Expression representing the most times annealing is tried on each starting ‘dart’ - if cool rate = .95, start = 1000, end = 100, log</a:t>
+            </a:r>
+            <a:r>
+              <a:rPr lang="en" sz="1000">
+                <a:solidFill>
+                  <a:schemeClr val="dk1"/>
+                </a:solidFill>
+                <a:highlight>
+                  <a:srgbClr val="CDFFCD"/>
+                </a:highlight>
+              </a:rPr>
+              <a:t>coolrate</a:t>
+            </a:r>
+            <a:r>
+              <a:rPr lang="en" sz="1450">
+                <a:solidFill>
+                  <a:schemeClr val="dk1"/>
+                </a:solidFill>
+                <a:highlight>
+                  <a:srgbClr val="CDFFCD"/>
+                </a:highlight>
+              </a:rPr>
+              <a:t>(endtemp/starttemp)= 45</a:t>
+            </a:r>
+            <a:endParaRPr sz="1450">
+              <a:solidFill>
+                <a:schemeClr val="dk1"/>
+              </a:solidFill>
+              <a:highlight>
+                <a:srgbClr val="CDFFCD"/>
+              </a:highlight>
+            </a:endParaRPr>
+          </a:p>
+        </p:txBody>
+      </p:sp>
     </p:spTree>
   </p:cSld>
   <p:clrMapOvr>
@@ -13647,7 +13738,7 @@
             </a:pPr>
             <a:r>
               <a:rPr lang="en"/>
-              <a:t>Although confusing from the problems name, the longest path problems is the </a:t>
+              <a:t>Although confusing from the problems name, the longest path problem is the </a:t>
             </a:r>
             <a:r>
               <a:rPr lang="en"/>
@@ -16359,11 +16450,142 @@
           </a:p>
         </p:txBody>
       </p:sp>
+      <p:pic>
+        <p:nvPicPr>
+          <p:cNvPr id="167" name="Google Shape;167;p33"/>
+          <p:cNvPicPr preferRelativeResize="0"/>
+          <p:nvPr/>
+        </p:nvPicPr>
+        <p:blipFill>
+          <a:blip r:embed="rId3">
+            <a:alphaModFix/>
+          </a:blip>
+          <a:stretch>
+            <a:fillRect/>
+          </a:stretch>
+        </p:blipFill>
+        <p:spPr>
+          <a:xfrm>
+            <a:off x="4633500" y="833500"/>
+            <a:ext cx="4510500" cy="2034750"/>
+          </a:xfrm>
+          <a:prstGeom prst="rect">
+            <a:avLst/>
+          </a:prstGeom>
+          <a:noFill/>
+          <a:ln>
+            <a:noFill/>
+          </a:ln>
+        </p:spPr>
+      </p:pic>
+      <p:pic>
+        <p:nvPicPr>
+          <p:cNvPr id="168" name="Google Shape;168;p33"/>
+          <p:cNvPicPr preferRelativeResize="0"/>
+          <p:nvPr/>
+        </p:nvPicPr>
+        <p:blipFill>
+          <a:blip r:embed="rId4">
+            <a:alphaModFix/>
+          </a:blip>
+          <a:stretch>
+            <a:fillRect/>
+          </a:stretch>
+        </p:blipFill>
+        <p:spPr>
+          <a:xfrm>
+            <a:off x="4633500" y="3103073"/>
+            <a:ext cx="4124925" cy="1328226"/>
+          </a:xfrm>
+          <a:prstGeom prst="rect">
+            <a:avLst/>
+          </a:prstGeom>
+          <a:noFill/>
+          <a:ln>
+            <a:noFill/>
+          </a:ln>
+        </p:spPr>
+      </p:pic>
     </p:spTree>
   </p:cSld>
   <p:clrMapOvr>
     <a:masterClrMapping/>
   </p:clrMapOvr>
+  <p:timing>
+    <p:tnLst>
+      <p:par>
+        <p:cTn dur="indefinite" nodeType="tmRoot" restart="never">
+          <p:childTnLst>
+            <p:seq concurrent="1" nextAc="seek">
+              <p:cTn dur="indefinite" id="2" nodeType="mainSeq">
+                <p:childTnLst>
+                  <p:par>
+                    <p:cTn fill="hold">
+                      <p:stCondLst>
+                        <p:cond delay="indefinite"/>
+                      </p:stCondLst>
+                      <p:childTnLst>
+                        <p:par>
+                          <p:cTn fill="hold">
+                            <p:stCondLst>
+                              <p:cond delay="0"/>
+                            </p:stCondLst>
+                            <p:childTnLst>
+                              <p:par>
+                                <p:cTn fill="hold" nodeType="clickEffect" presetClass="entr" presetID="1" presetSubtype="0">
+                                  <p:stCondLst>
+                                    <p:cond delay="0"/>
+                                  </p:stCondLst>
+                                  <p:childTnLst>
+                                    <p:set>
+                                      <p:cBhvr>
+                                        <p:cTn dur="1" fill="hold">
+                                          <p:stCondLst>
+                                            <p:cond delay="0"/>
+                                          </p:stCondLst>
+                                        </p:cTn>
+                                        <p:tgtEl>
+                                          <p:spTgt spid="168"/>
+                                        </p:tgtEl>
+                                        <p:attrNameLst>
+                                          <p:attrName>style.visibility</p:attrName>
+                                        </p:attrNameLst>
+                                      </p:cBhvr>
+                                      <p:to>
+                                        <p:strVal val="visible"/>
+                                      </p:to>
+                                    </p:set>
+                                  </p:childTnLst>
+                                </p:cTn>
+                              </p:par>
+                            </p:childTnLst>
+                          </p:cTn>
+                        </p:par>
+                      </p:childTnLst>
+                    </p:cTn>
+                  </p:par>
+                </p:childTnLst>
+              </p:cTn>
+              <p:prevCondLst>
+                <p:cond evt="onPrev">
+                  <p:tgtEl>
+                    <p:sldTgt/>
+                  </p:tgtEl>
+                </p:cond>
+              </p:prevCondLst>
+              <p:nextCondLst>
+                <p:cond evt="onNext">
+                  <p:tgtEl>
+                    <p:sldTgt/>
+                  </p:tgtEl>
+                </p:cond>
+              </p:nextCondLst>
+            </p:seq>
+          </p:childTnLst>
+        </p:cTn>
+      </p:par>
+    </p:tnLst>
+  </p:timing>
 </p:sld>
 </file>
 
@@ -16379,7 +16601,7 @@
     </p:bg>
     <p:spTree>
       <p:nvGrpSpPr>
-        <p:cNvPr id="170" name="Shape 170"/>
+        <p:cNvPr id="172" name="Shape 172"/>
         <p:cNvGrpSpPr/>
         <p:nvPr/>
       </p:nvGrpSpPr>
@@ -16393,7 +16615,7 @@
       </p:grpSpPr>
       <p:sp>
         <p:nvSpPr>
-          <p:cNvPr id="171" name="Google Shape;171;p34"/>
+          <p:cNvPr id="173" name="Google Shape;173;p34"/>
           <p:cNvSpPr txBox="1"/>
           <p:nvPr>
             <p:ph type="title"/>
@@ -16401,7 +16623,7 @@
         </p:nvSpPr>
         <p:spPr>
           <a:xfrm>
-            <a:off x="456989" y="204798"/>
+            <a:off x="314964" y="98323"/>
             <a:ext cx="8228700" cy="858600"/>
           </a:xfrm>
           <a:prstGeom prst="rect">
@@ -16424,16 +16646,16 @@
               <a:buNone/>
             </a:pPr>
             <a:r>
-              <a:rPr lang="en" sz="2000" u="sng"/>
-              <a:t>Simulated Annealing Algorithm Analysis</a:t>
+              <a:rPr lang="en" u="sng"/>
+              <a:t>Approximation vs Exact Solution</a:t>
             </a:r>
-            <a:endParaRPr sz="2000" u="sng"/>
+            <a:endParaRPr u="sng"/>
           </a:p>
         </p:txBody>
       </p:sp>
       <p:sp>
         <p:nvSpPr>
-          <p:cNvPr id="172" name="Google Shape;172;p34"/>
+          <p:cNvPr id="174" name="Google Shape;174;p34"/>
           <p:cNvSpPr txBox="1"/>
           <p:nvPr>
             <p:ph idx="1" type="body"/>
@@ -16441,8 +16663,8 @@
         </p:nvSpPr>
         <p:spPr>
           <a:xfrm>
-            <a:off x="457000" y="1203300"/>
-            <a:ext cx="8461800" cy="2983200"/>
+            <a:off x="96175" y="956925"/>
+            <a:ext cx="4436100" cy="3241500"/>
           </a:xfrm>
           <a:prstGeom prst="rect">
             <a:avLst/>
@@ -16450,9 +16672,115 @@
         </p:spPr>
         <p:txBody>
           <a:bodyPr anchorCtr="0" anchor="t" bIns="0" lIns="0" spcFirstLastPara="1" rIns="0" wrap="square" tIns="0">
-            <a:normAutofit lnSpcReduction="10000"/>
+            <a:normAutofit/>
           </a:bodyPr>
           <a:lstStyle/>
+          <a:p>
+            <a:pPr indent="0" lvl="0" marL="0" rtl="0" algn="l">
+              <a:spcBef>
+                <a:spcPts val="0"/>
+              </a:spcBef>
+              <a:spcAft>
+                <a:spcPts val="0"/>
+              </a:spcAft>
+              <a:buNone/>
+            </a:pPr>
+            <a:r>
+              <a:rPr b="1" lang="en" sz="1150"/>
+              <a:t>Annealing Simulation Approximation</a:t>
+            </a:r>
+            <a:endParaRPr b="1" sz="1150"/>
+          </a:p>
+          <a:p>
+            <a:pPr indent="0" lvl="0" marL="0" rtl="0" algn="l">
+              <a:spcBef>
+                <a:spcPts val="0"/>
+              </a:spcBef>
+              <a:spcAft>
+                <a:spcPts val="0"/>
+              </a:spcAft>
+              <a:buNone/>
+            </a:pPr>
+            <a:r>
+              <a:t/>
+            </a:r>
+            <a:endParaRPr b="1" sz="1150"/>
+          </a:p>
+          <a:p>
+            <a:pPr indent="0" lvl="0" marL="0" rtl="0" algn="l">
+              <a:spcBef>
+                <a:spcPts val="0"/>
+              </a:spcBef>
+              <a:spcAft>
+                <a:spcPts val="0"/>
+              </a:spcAft>
+              <a:buNone/>
+            </a:pPr>
+            <a:r>
+              <a:t/>
+            </a:r>
+            <a:endParaRPr b="1" sz="1150"/>
+          </a:p>
+          <a:p>
+            <a:pPr indent="0" lvl="0" marL="0" rtl="0" algn="l">
+              <a:spcBef>
+                <a:spcPts val="0"/>
+              </a:spcBef>
+              <a:spcAft>
+                <a:spcPts val="0"/>
+              </a:spcAft>
+              <a:buClr>
+                <a:schemeClr val="dk1"/>
+              </a:buClr>
+              <a:buSzPts val="1100"/>
+              <a:buFont typeface="Arial"/>
+              <a:buNone/>
+            </a:pPr>
+            <a:r>
+              <a:t/>
+            </a:r>
+            <a:endParaRPr b="1" sz="1150"/>
+          </a:p>
+        </p:txBody>
+      </p:sp>
+      <p:sp>
+        <p:nvSpPr>
+          <p:cNvPr id="175" name="Google Shape;175;p34"/>
+          <p:cNvSpPr txBox="1"/>
+          <p:nvPr>
+            <p:ph idx="1" type="body"/>
+          </p:nvPr>
+        </p:nvSpPr>
+        <p:spPr>
+          <a:xfrm>
+            <a:off x="4449200" y="956925"/>
+            <a:ext cx="4649100" cy="3431400"/>
+          </a:xfrm>
+          <a:prstGeom prst="rect">
+            <a:avLst/>
+          </a:prstGeom>
+        </p:spPr>
+        <p:txBody>
+          <a:bodyPr anchorCtr="0" anchor="t" bIns="0" lIns="0" spcFirstLastPara="1" rIns="0" wrap="square" tIns="0">
+            <a:normAutofit/>
+          </a:bodyPr>
+          <a:lstStyle/>
+          <a:p>
+            <a:pPr indent="0" lvl="0" marL="1371600" rtl="0" algn="l">
+              <a:spcBef>
+                <a:spcPts val="0"/>
+              </a:spcBef>
+              <a:spcAft>
+                <a:spcPts val="0"/>
+              </a:spcAft>
+              <a:buNone/>
+            </a:pPr>
+            <a:r>
+              <a:rPr b="1" lang="en" sz="1150"/>
+              <a:t>Exact Solution</a:t>
+            </a:r>
+            <a:endParaRPr b="1" sz="1150"/>
+          </a:p>
           <a:p>
             <a:pPr indent="0" lvl="0" marL="0" rtl="0" algn="l">
               <a:spcBef>
@@ -16483,6 +16811,30 @@
             </a:r>
             <a:endParaRPr/>
           </a:p>
+        </p:txBody>
+      </p:sp>
+      <p:sp>
+        <p:nvSpPr>
+          <p:cNvPr id="176" name="Google Shape;176;p34"/>
+          <p:cNvSpPr txBox="1"/>
+          <p:nvPr>
+            <p:ph idx="1" type="body"/>
+          </p:nvPr>
+        </p:nvSpPr>
+        <p:spPr>
+          <a:xfrm>
+            <a:off x="2194325" y="1206500"/>
+            <a:ext cx="4649100" cy="3431400"/>
+          </a:xfrm>
+          <a:prstGeom prst="rect">
+            <a:avLst/>
+          </a:prstGeom>
+        </p:spPr>
+        <p:txBody>
+          <a:bodyPr anchorCtr="0" anchor="t" bIns="0" lIns="0" spcFirstLastPara="1" rIns="0" wrap="square" tIns="0">
+            <a:normAutofit/>
+          </a:bodyPr>
+          <a:lstStyle/>
           <a:p>
             <a:pPr indent="0" lvl="0" marL="0" rtl="0" algn="l">
               <a:spcBef>
@@ -16496,109 +16848,7 @@
             <a:r>
               <a:t/>
             </a:r>
-            <a:endParaRPr sz="1250"/>
-          </a:p>
-          <a:p>
-            <a:pPr indent="0" lvl="0" marL="0" rtl="0" algn="l">
-              <a:spcBef>
-                <a:spcPts val="0"/>
-              </a:spcBef>
-              <a:spcAft>
-                <a:spcPts val="0"/>
-              </a:spcAft>
-              <a:buNone/>
-            </a:pPr>
-            <a:r>
-              <a:rPr b="1" lang="en" sz="1750"/>
-              <a:t>O</a:t>
-            </a:r>
-            <a:r>
-              <a:rPr lang="en" sz="1450"/>
-              <a:t>(darts X </a:t>
-            </a:r>
-            <a:r>
-              <a:rPr b="1" lang="en" sz="1750">
-                <a:solidFill>
-                  <a:schemeClr val="dk1"/>
-                </a:solidFill>
-              </a:rPr>
-              <a:t>O</a:t>
-            </a:r>
-            <a:r>
-              <a:rPr lang="en" sz="1450"/>
-              <a:t>(</a:t>
-            </a:r>
-            <a:r>
-              <a:rPr lang="en" sz="1450">
-                <a:solidFill>
-                  <a:schemeClr val="dk1"/>
-                </a:solidFill>
-                <a:highlight>
-                  <a:srgbClr val="CDFFCD"/>
-                </a:highlight>
-              </a:rPr>
-              <a:t>GenerateRandomPath()) X log</a:t>
-            </a:r>
-            <a:r>
-              <a:rPr lang="en" sz="1000">
-                <a:solidFill>
-                  <a:schemeClr val="dk1"/>
-                </a:solidFill>
-                <a:highlight>
-                  <a:srgbClr val="CDFFCD"/>
-                </a:highlight>
-              </a:rPr>
-              <a:t>coolrate</a:t>
-            </a:r>
-            <a:r>
-              <a:rPr lang="en" sz="1450">
-                <a:solidFill>
-                  <a:schemeClr val="dk1"/>
-                </a:solidFill>
-                <a:highlight>
-                  <a:srgbClr val="CDFFCD"/>
-                </a:highlight>
-              </a:rPr>
-              <a:t>(endtemp/starttemp)</a:t>
-            </a:r>
-            <a:endParaRPr sz="1450">
-              <a:solidFill>
-                <a:schemeClr val="dk1"/>
-              </a:solidFill>
-              <a:highlight>
-                <a:srgbClr val="CDFFCD"/>
-              </a:highlight>
-            </a:endParaRPr>
-          </a:p>
-          <a:p>
-            <a:pPr indent="0" lvl="0" marL="0" rtl="0" algn="l">
-              <a:spcBef>
-                <a:spcPts val="0"/>
-              </a:spcBef>
-              <a:spcAft>
-                <a:spcPts val="0"/>
-              </a:spcAft>
-              <a:buNone/>
-            </a:pPr>
-            <a:r>
-              <a:rPr lang="en" sz="1450">
-                <a:solidFill>
-                  <a:schemeClr val="dk1"/>
-                </a:solidFill>
-                <a:highlight>
-                  <a:srgbClr val="CDFFCD"/>
-                </a:highlight>
-              </a:rPr>
-              <a:t>Big-O simplified = V * constants</a:t>
-            </a:r>
-            <a:endParaRPr sz="1450">
-              <a:solidFill>
-                <a:schemeClr val="dk1"/>
-              </a:solidFill>
-              <a:highlight>
-                <a:srgbClr val="CDFFCD"/>
-              </a:highlight>
-            </a:endParaRPr>
+            <a:endParaRPr b="1" sz="1150"/>
           </a:p>
           <a:p>
             <a:pPr indent="0" lvl="0" marL="0" rtl="0" algn="l">
@@ -16613,7 +16863,7 @@
             <a:r>
               <a:t/>
             </a:r>
-            <a:endParaRPr sz="1450"/>
+            <a:endParaRPr/>
           </a:p>
           <a:p>
             <a:pPr indent="0" lvl="0" marL="0" rtl="0" algn="l">
@@ -16626,14 +16876,10 @@
               <a:buNone/>
             </a:pPr>
             <a:r>
-              <a:rPr b="1" lang="en" sz="1450"/>
-              <a:t>Darts </a:t>
+              <a:rPr lang="en"/>
+              <a:t>1st input - fully connected graph of 10 vertices &amp; randomized weights</a:t>
             </a:r>
-            <a:r>
-              <a:rPr lang="en" sz="1450"/>
-              <a:t>= iterations of paths to be passed to the simulated annealing algorithm</a:t>
-            </a:r>
-            <a:endParaRPr sz="1450"/>
+            <a:endParaRPr/>
           </a:p>
           <a:p>
             <a:pPr indent="0" lvl="0" marL="0" rtl="0" algn="l">
@@ -16648,39 +16894,7 @@
             <a:r>
               <a:t/>
             </a:r>
-            <a:endParaRPr sz="1450"/>
-          </a:p>
-          <a:p>
-            <a:pPr indent="0" lvl="0" marL="0" rtl="0" algn="l">
-              <a:spcBef>
-                <a:spcPts val="0"/>
-              </a:spcBef>
-              <a:spcAft>
-                <a:spcPts val="0"/>
-              </a:spcAft>
-              <a:buNone/>
-            </a:pPr>
-            <a:r>
-              <a:rPr b="1" lang="en" sz="1450">
-                <a:solidFill>
-                  <a:schemeClr val="dk1"/>
-                </a:solidFill>
-              </a:rPr>
-              <a:t>GenerateRandomPath </a:t>
-            </a:r>
-            <a:r>
-              <a:rPr lang="en" sz="1450">
-                <a:solidFill>
-                  <a:schemeClr val="dk1"/>
-                </a:solidFill>
-              </a:rPr>
-              <a:t>= function for generating random path (V time at worst case)</a:t>
-            </a:r>
-            <a:endParaRPr sz="1450">
-              <a:solidFill>
-                <a:schemeClr val="dk1"/>
-              </a:solidFill>
-            </a:endParaRPr>
+            <a:endParaRPr/>
           </a:p>
           <a:p>
             <a:pPr indent="0" lvl="0" marL="0" rtl="0" algn="l">
@@ -16695,11 +16909,7 @@
             <a:r>
               <a:t/>
             </a:r>
-            <a:endParaRPr sz="1450">
-              <a:solidFill>
-                <a:schemeClr val="dk1"/>
-              </a:solidFill>
-            </a:endParaRPr>
+            <a:endParaRPr/>
           </a:p>
           <a:p>
             <a:pPr indent="0" lvl="0" marL="0" rtl="0" algn="l">
@@ -16709,90 +16919,218 @@
               <a:spcAft>
                 <a:spcPts val="0"/>
               </a:spcAft>
-              <a:buClr>
-                <a:schemeClr val="dk1"/>
-              </a:buClr>
-              <a:buSzPts val="1100"/>
-              <a:buFont typeface="Arial"/>
               <a:buNone/>
             </a:pPr>
             <a:r>
-              <a:rPr b="1" lang="en" sz="1450">
-                <a:solidFill>
-                  <a:schemeClr val="dk1"/>
-                </a:solidFill>
-                <a:highlight>
-                  <a:srgbClr val="CDFFCD"/>
-                </a:highlight>
-              </a:rPr>
-              <a:t>log</a:t>
+              <a:t/>
             </a:r>
+            <a:endParaRPr/>
+          </a:p>
+          <a:p>
+            <a:pPr indent="0" lvl="0" marL="0" rtl="0" algn="l">
+              <a:spcBef>
+                <a:spcPts val="0"/>
+              </a:spcBef>
+              <a:spcAft>
+                <a:spcPts val="0"/>
+              </a:spcAft>
+              <a:buNone/>
+            </a:pPr>
             <a:r>
-              <a:rPr b="1" lang="en" sz="1000">
-                <a:solidFill>
-                  <a:schemeClr val="dk1"/>
-                </a:solidFill>
-                <a:highlight>
-                  <a:srgbClr val="CDFFCD"/>
-                </a:highlight>
-              </a:rPr>
-              <a:t>coolrate</a:t>
+              <a:t/>
             </a:r>
+            <a:endParaRPr/>
+          </a:p>
+          <a:p>
+            <a:pPr indent="0" lvl="0" marL="0" rtl="0" algn="l">
+              <a:spcBef>
+                <a:spcPts val="0"/>
+              </a:spcBef>
+              <a:spcAft>
+                <a:spcPts val="0"/>
+              </a:spcAft>
+              <a:buNone/>
+            </a:pPr>
             <a:r>
-              <a:rPr b="1" lang="en" sz="1450">
-                <a:solidFill>
-                  <a:schemeClr val="dk1"/>
-                </a:solidFill>
-                <a:highlight>
-                  <a:srgbClr val="CDFFCD"/>
-                </a:highlight>
-              </a:rPr>
-              <a:t>(endtemp/starttemp)</a:t>
+              <a:t/>
             </a:r>
+            <a:endParaRPr/>
+          </a:p>
+          <a:p>
+            <a:pPr indent="0" lvl="0" marL="0" rtl="0" algn="l">
+              <a:spcBef>
+                <a:spcPts val="0"/>
+              </a:spcBef>
+              <a:spcAft>
+                <a:spcPts val="0"/>
+              </a:spcAft>
+              <a:buNone/>
+            </a:pPr>
             <a:r>
-              <a:rPr lang="en" sz="1450">
-                <a:solidFill>
-                  <a:schemeClr val="dk1"/>
-                </a:solidFill>
-                <a:highlight>
-                  <a:srgbClr val="CDFFCD"/>
-                </a:highlight>
-              </a:rPr>
-              <a:t>= Expression representing the most times annealing is tried on each starting ‘dart’ - if cool rate = .95, start = 1000, end = 100, log</a:t>
+              <a:t/>
             </a:r>
+            <a:endParaRPr/>
+          </a:p>
+          <a:p>
+            <a:pPr indent="0" lvl="0" marL="0" rtl="0" algn="l">
+              <a:spcBef>
+                <a:spcPts val="0"/>
+              </a:spcBef>
+              <a:spcAft>
+                <a:spcPts val="0"/>
+              </a:spcAft>
+              <a:buNone/>
+            </a:pPr>
             <a:r>
-              <a:rPr lang="en" sz="1000">
-                <a:solidFill>
-                  <a:schemeClr val="dk1"/>
-                </a:solidFill>
-                <a:highlight>
-                  <a:srgbClr val="CDFFCD"/>
-                </a:highlight>
-              </a:rPr>
-              <a:t>coolrate</a:t>
+              <a:t/>
             </a:r>
+            <a:endParaRPr/>
+          </a:p>
+          <a:p>
+            <a:pPr indent="0" lvl="0" marL="0" rtl="0" algn="l">
+              <a:spcBef>
+                <a:spcPts val="0"/>
+              </a:spcBef>
+              <a:spcAft>
+                <a:spcPts val="0"/>
+              </a:spcAft>
+              <a:buNone/>
+            </a:pPr>
             <a:r>
-              <a:rPr lang="en" sz="1450">
-                <a:solidFill>
-                  <a:schemeClr val="dk1"/>
-                </a:solidFill>
-                <a:highlight>
-                  <a:srgbClr val="CDFFCD"/>
-                </a:highlight>
-              </a:rPr>
-              <a:t>(endtemp/starttemp)= 45</a:t>
+              <a:t/>
             </a:r>
-            <a:endParaRPr sz="1450">
-              <a:solidFill>
-                <a:schemeClr val="dk1"/>
-              </a:solidFill>
-              <a:highlight>
-                <a:srgbClr val="CDFFCD"/>
-              </a:highlight>
-            </a:endParaRPr>
+            <a:endParaRPr/>
+          </a:p>
+          <a:p>
+            <a:pPr indent="0" lvl="0" marL="0" rtl="0" algn="l">
+              <a:spcBef>
+                <a:spcPts val="0"/>
+              </a:spcBef>
+              <a:spcAft>
+                <a:spcPts val="0"/>
+              </a:spcAft>
+              <a:buNone/>
+            </a:pPr>
+            <a:r>
+              <a:rPr lang="en"/>
+              <a:t>2nd input - sparse graph with nearly 9528 vertices and 13968 edges</a:t>
+            </a:r>
+            <a:endParaRPr/>
           </a:p>
         </p:txBody>
       </p:sp>
+      <p:pic>
+        <p:nvPicPr>
+          <p:cNvPr id="177" name="Google Shape;177;p34"/>
+          <p:cNvPicPr preferRelativeResize="0"/>
+          <p:nvPr/>
+        </p:nvPicPr>
+        <p:blipFill>
+          <a:blip r:embed="rId3">
+            <a:alphaModFix/>
+          </a:blip>
+          <a:stretch>
+            <a:fillRect/>
+          </a:stretch>
+        </p:blipFill>
+        <p:spPr>
+          <a:xfrm>
+            <a:off x="155550" y="1922073"/>
+            <a:ext cx="3531600" cy="1028700"/>
+          </a:xfrm>
+          <a:prstGeom prst="rect">
+            <a:avLst/>
+          </a:prstGeom>
+          <a:noFill/>
+          <a:ln>
+            <a:noFill/>
+          </a:ln>
+        </p:spPr>
+      </p:pic>
+      <p:pic>
+        <p:nvPicPr>
+          <p:cNvPr id="178" name="Google Shape;178;p34"/>
+          <p:cNvPicPr preferRelativeResize="0"/>
+          <p:nvPr/>
+        </p:nvPicPr>
+        <p:blipFill>
+          <a:blip r:embed="rId4">
+            <a:alphaModFix/>
+          </a:blip>
+          <a:stretch>
+            <a:fillRect/>
+          </a:stretch>
+        </p:blipFill>
+        <p:spPr>
+          <a:xfrm>
+            <a:off x="51300" y="3566725"/>
+            <a:ext cx="4278795" cy="1028700"/>
+          </a:xfrm>
+          <a:prstGeom prst="rect">
+            <a:avLst/>
+          </a:prstGeom>
+          <a:noFill/>
+          <a:ln>
+            <a:noFill/>
+          </a:ln>
+        </p:spPr>
+      </p:pic>
+      <p:pic>
+        <p:nvPicPr>
+          <p:cNvPr id="179" name="Google Shape;179;p34"/>
+          <p:cNvPicPr preferRelativeResize="0"/>
+          <p:nvPr/>
+        </p:nvPicPr>
+        <p:blipFill>
+          <a:blip r:embed="rId5">
+            <a:alphaModFix/>
+          </a:blip>
+          <a:stretch>
+            <a:fillRect/>
+          </a:stretch>
+        </p:blipFill>
+        <p:spPr>
+          <a:xfrm>
+            <a:off x="4747145" y="1877298"/>
+            <a:ext cx="3333750" cy="1028700"/>
+          </a:xfrm>
+          <a:prstGeom prst="rect">
+            <a:avLst/>
+          </a:prstGeom>
+          <a:noFill/>
+          <a:ln>
+            <a:noFill/>
+          </a:ln>
+        </p:spPr>
+      </p:pic>
+      <p:pic>
+        <p:nvPicPr>
+          <p:cNvPr id="180" name="Google Shape;180;p34"/>
+          <p:cNvPicPr preferRelativeResize="0"/>
+          <p:nvPr/>
+        </p:nvPicPr>
+        <p:blipFill>
+          <a:blip r:embed="rId6">
+            <a:alphaModFix/>
+          </a:blip>
+          <a:stretch>
+            <a:fillRect/>
+          </a:stretch>
+        </p:blipFill>
+        <p:spPr>
+          <a:xfrm>
+            <a:off x="4747139" y="3518048"/>
+            <a:ext cx="4053211" cy="858600"/>
+          </a:xfrm>
+          <a:prstGeom prst="rect">
+            <a:avLst/>
+          </a:prstGeom>
+          <a:noFill/>
+          <a:ln>
+            <a:noFill/>
+          </a:ln>
+        </p:spPr>
+      </p:pic>
     </p:spTree>
   </p:cSld>
   <p:clrMapOvr>
